--- a/docs/mid-term report/Mid-term report.pptx
+++ b/docs/mid-term report/Mid-term report.pptx
@@ -4284,7 +4284,7 @@
         </p:nvSpPr>
         <p:spPr>
           <a:xfrm>
-            <a:off x="1415845" y="3332615"/>
+            <a:off x="8889665" y="2828834"/>
             <a:ext cx="3181739" cy="1200329"/>
           </a:xfrm>
           <a:prstGeom prst="rect">
@@ -4443,6 +4443,116 @@
             <a:endParaRPr lang="zh-CN" altLang="en-US" dirty="0">
               <a:latin typeface="Times New Roman" panose="02020603050405020304" pitchFamily="18" charset="0"/>
               <a:ea typeface="Noto Sans SC" panose="020B0200000000000000" pitchFamily="34" charset="-122"/>
+              <a:cs typeface="Times New Roman" panose="02020603050405020304" pitchFamily="18" charset="0"/>
+            </a:endParaRPr>
+          </a:p>
+        </p:txBody>
+      </p:sp>
+      <p:sp>
+        <p:nvSpPr>
+          <p:cNvPr id="6" name="文本框 5">
+            <a:extLst>
+              <a:ext uri="{FF2B5EF4-FFF2-40B4-BE49-F238E27FC236}">
+                <a16:creationId xmlns:a16="http://schemas.microsoft.com/office/drawing/2014/main" id="{28C02A28-03F8-790C-DF00-1D18DA26E811}"/>
+              </a:ext>
+            </a:extLst>
+          </p:cNvPr>
+          <p:cNvSpPr txBox="1"/>
+          <p:nvPr/>
+        </p:nvSpPr>
+        <p:spPr>
+          <a:xfrm>
+            <a:off x="754877" y="1472129"/>
+            <a:ext cx="3079103" cy="4801314"/>
+          </a:xfrm>
+          <a:prstGeom prst="rect">
+            <a:avLst/>
+          </a:prstGeom>
+          <a:noFill/>
+        </p:spPr>
+        <p:txBody>
+          <a:bodyPr wrap="square">
+            <a:spAutoFit/>
+          </a:bodyPr>
+          <a:lstStyle/>
+          <a:p>
+            <a:pPr marL="285750" indent="-285750">
+              <a:buFont typeface="Arial" panose="020B0604020202020204" pitchFamily="34" charset="0"/>
+              <a:buChar char="•"/>
+            </a:pPr>
+            <a:r>
+              <a:rPr lang="zh-CN" altLang="en-US" sz="1800" dirty="0">
+                <a:latin typeface="Times New Roman" panose="02020603050405020304" pitchFamily="18" charset="0"/>
+                <a:ea typeface="华文楷体" panose="02010600040101010101" pitchFamily="2" charset="-122"/>
+                <a:cs typeface="Times New Roman" panose="02020603050405020304" pitchFamily="18" charset="0"/>
+              </a:rPr>
+              <a:t>嵌入式系统广泛使用于各类设备中，而它们通常只有一个处理器核心，也一般只运行一个任务。</a:t>
+            </a:r>
+            <a:endParaRPr lang="en-US" altLang="zh-CN" sz="1800" dirty="0">
+              <a:latin typeface="Times New Roman" panose="02020603050405020304" pitchFamily="18" charset="0"/>
+              <a:ea typeface="华文楷体" panose="02010600040101010101" pitchFamily="2" charset="-122"/>
+              <a:cs typeface="Times New Roman" panose="02020603050405020304" pitchFamily="18" charset="0"/>
+            </a:endParaRPr>
+          </a:p>
+          <a:p>
+            <a:pPr marL="285750" indent="-285750">
+              <a:buFont typeface="Arial" panose="020B0604020202020204" pitchFamily="34" charset="0"/>
+              <a:buChar char="•"/>
+            </a:pPr>
+            <a:r>
+              <a:rPr lang="zh-CN" altLang="en-US" sz="1800" dirty="0">
+                <a:latin typeface="Times New Roman" panose="02020603050405020304" pitchFamily="18" charset="0"/>
+                <a:ea typeface="华文楷体" panose="02010600040101010101" pitchFamily="2" charset="-122"/>
+                <a:cs typeface="Times New Roman" panose="02020603050405020304" pitchFamily="18" charset="0"/>
+              </a:rPr>
+              <a:t>而我们计划为了满足机器人等等设备的需求，设计一个包含多处理器且每个处理器上可以运行多任务的计算系统，以及所需的 </a:t>
+            </a:r>
+            <a:r>
+              <a:rPr lang="en-US" altLang="zh-CN" sz="1800" dirty="0">
+                <a:latin typeface="Times New Roman" panose="02020603050405020304" pitchFamily="18" charset="0"/>
+                <a:ea typeface="华文楷体" panose="02010600040101010101" pitchFamily="2" charset="-122"/>
+                <a:cs typeface="Times New Roman" panose="02020603050405020304" pitchFamily="18" charset="0"/>
+              </a:rPr>
+              <a:t>OS </a:t>
+            </a:r>
+            <a:r>
+              <a:rPr lang="zh-CN" altLang="en-US" sz="1800" dirty="0">
+                <a:latin typeface="Times New Roman" panose="02020603050405020304" pitchFamily="18" charset="0"/>
+                <a:ea typeface="华文楷体" panose="02010600040101010101" pitchFamily="2" charset="-122"/>
+                <a:cs typeface="Times New Roman" panose="02020603050405020304" pitchFamily="18" charset="0"/>
+              </a:rPr>
+              <a:t>软件。</a:t>
+            </a:r>
+            <a:endParaRPr lang="en-US" altLang="zh-CN" sz="1800" dirty="0">
+              <a:latin typeface="Times New Roman" panose="02020603050405020304" pitchFamily="18" charset="0"/>
+              <a:ea typeface="华文楷体" panose="02010600040101010101" pitchFamily="2" charset="-122"/>
+              <a:cs typeface="Times New Roman" panose="02020603050405020304" pitchFamily="18" charset="0"/>
+            </a:endParaRPr>
+          </a:p>
+          <a:p>
+            <a:pPr marL="285750" indent="-285750">
+              <a:buFont typeface="Arial" panose="020B0604020202020204" pitchFamily="34" charset="0"/>
+              <a:buChar char="•"/>
+            </a:pPr>
+            <a:r>
+              <a:rPr lang="zh-CN" altLang="en-US" sz="1800" dirty="0">
+                <a:latin typeface="Times New Roman" panose="02020603050405020304" pitchFamily="18" charset="0"/>
+                <a:ea typeface="华文楷体" panose="02010600040101010101" pitchFamily="2" charset="-122"/>
+                <a:cs typeface="Times New Roman" panose="02020603050405020304" pitchFamily="18" charset="0"/>
+              </a:rPr>
+              <a:t>我们的项目适用于需要分布式处理的中小型物联网项目，例如机器人比赛使用的机器人</a:t>
+            </a:r>
+            <a:r>
+              <a:rPr lang="zh-CN" altLang="en-US" dirty="0">
+                <a:latin typeface="Times New Roman" panose="02020603050405020304" pitchFamily="18" charset="0"/>
+                <a:ea typeface="华文楷体" panose="02010600040101010101" pitchFamily="2" charset="-122"/>
+                <a:cs typeface="Times New Roman" panose="02020603050405020304" pitchFamily="18" charset="0"/>
+              </a:rPr>
+              <a:t>，为其实现多核多任务处理提供小型操作系统支持，以提高运行效率。</a:t>
+            </a:r>
+            <a:endParaRPr lang="en-US" altLang="zh-CN" sz="1800" dirty="0">
+              <a:latin typeface="Times New Roman" panose="02020603050405020304" pitchFamily="18" charset="0"/>
+              <a:ea typeface="华文楷体" panose="02010600040101010101" pitchFamily="2" charset="-122"/>
               <a:cs typeface="Times New Roman" panose="02020603050405020304" pitchFamily="18" charset="0"/>
             </a:endParaRPr>
           </a:p>
